--- a/Nursing Home Analysis.pptx
+++ b/Nursing Home Analysis.pptx
@@ -141,7 +141,28 @@
       </p:ext>
     </p:extLst>
   </p:cmAuthor>
+  <p:cmAuthor id="2" name="Altayli, Kursad [altaylik]" initials="AK[" lastIdx="1" clrIdx="1">
+    <p:extLst>
+      <p:ext uri="{19B8F6BF-5375-455C-9EA6-DF929625EA0E}">
+        <p15:presenceInfo xmlns:p15="http://schemas.microsoft.com/office/powerpoint/2012/main" userId="Altayli, Kursad [altaylik]" providerId="None"/>
+      </p:ext>
+    </p:extLst>
+  </p:cmAuthor>
 </p:cmAuthorLst>
+</file>
+
+<file path=ppt/comments/comment1.xml><?xml version="1.0" encoding="utf-8"?>
+<p:cmLst xmlns:a="http://schemas.openxmlformats.org/drawingml/2006/main" xmlns:r="http://schemas.openxmlformats.org/officeDocument/2006/relationships" xmlns:p="http://schemas.openxmlformats.org/presentationml/2006/main">
+  <p:cm authorId="2" dt="2020-07-29T17:40:34.178" idx="1">
+    <p:pos x="3999" y="829"/>
+    <p:text/>
+    <p:extLst>
+      <p:ext uri="{C676402C-5697-4E1C-873F-D02D1690AC5C}">
+        <p15:threadingInfo xmlns:p15="http://schemas.microsoft.com/office/powerpoint/2012/main" timeZoneBias="240"/>
+      </p:ext>
+    </p:extLst>
+  </p:cm>
+</p:cmLst>
 </file>
 
 <file path=ppt/ink/ink1.xml><?xml version="1.0" encoding="utf-8"?>
@@ -254,7 +275,7 @@
           <a:p>
             <a:fld id="{D867F6A2-29EF-46E5-9E0C-25F190B82ABB}" type="datetimeFigureOut">
               <a:rPr lang="en-US" smtClean="0"/>
-              <a:t>7/26/2020</a:t>
+              <a:t>7/29/20</a:t>
             </a:fld>
             <a:endParaRPr lang="en-US"/>
           </a:p>
@@ -565,7 +586,26 @@
           <a:bodyPr/>
           <a:lstStyle/>
           <a:p>
-            <a:endParaRPr lang="en-US"/>
+            <a:r>
+              <a:rPr lang="en-US" dirty="0"/>
+              <a:t>Hello Ladies and Gentlemen, today we will talk about Nursing Home analysis. After Covid-19, we wondered that how many nursing homes there are all across US and how many Residents Died during this term and How many residents in Nursing homes died due to Covid-19. This presentation is being made by Reshmi, </a:t>
+            </a:r>
+            <a:r>
+              <a:rPr lang="en-US" dirty="0" err="1"/>
+              <a:t>Viswajani</a:t>
+            </a:r>
+            <a:r>
+              <a:rPr lang="en-US" dirty="0"/>
+              <a:t>, Me, </a:t>
+            </a:r>
+            <a:r>
+              <a:rPr lang="en-US" dirty="0" err="1"/>
+              <a:t>Gomathi</a:t>
+            </a:r>
+            <a:r>
+              <a:rPr lang="en-US" dirty="0"/>
+              <a:t>.</a:t>
+            </a:r>
           </a:p>
         </p:txBody>
       </p:sp>
@@ -596,6 +636,445 @@
     <p:extLst>
       <p:ext uri="{BB962C8B-B14F-4D97-AF65-F5344CB8AC3E}">
         <p14:creationId xmlns:p14="http://schemas.microsoft.com/office/powerpoint/2010/main" val="3116031795"/>
+      </p:ext>
+    </p:extLst>
+  </p:cSld>
+  <p:clrMapOvr>
+    <a:masterClrMapping/>
+  </p:clrMapOvr>
+</p:notes>
+</file>
+
+<file path=ppt/notesSlides/notesSlide2.xml><?xml version="1.0" encoding="utf-8"?>
+<p:notes xmlns:a="http://schemas.openxmlformats.org/drawingml/2006/main" xmlns:r="http://schemas.openxmlformats.org/officeDocument/2006/relationships" xmlns:p="http://schemas.openxmlformats.org/presentationml/2006/main">
+  <p:cSld>
+    <p:spTree>
+      <p:nvGrpSpPr>
+        <p:cNvPr id="1" name=""/>
+        <p:cNvGrpSpPr/>
+        <p:nvPr/>
+      </p:nvGrpSpPr>
+      <p:grpSpPr>
+        <a:xfrm>
+          <a:off x="0" y="0"/>
+          <a:ext cx="0" cy="0"/>
+          <a:chOff x="0" y="0"/>
+          <a:chExt cx="0" cy="0"/>
+        </a:xfrm>
+      </p:grpSpPr>
+      <p:sp>
+        <p:nvSpPr>
+          <p:cNvPr id="2" name="Slide Image Placeholder 1"/>
+          <p:cNvSpPr>
+            <a:spLocks noGrp="1" noRot="1" noChangeAspect="1"/>
+          </p:cNvSpPr>
+          <p:nvPr>
+            <p:ph type="sldImg"/>
+          </p:nvPr>
+        </p:nvSpPr>
+        <p:spPr/>
+      </p:sp>
+      <p:sp>
+        <p:nvSpPr>
+          <p:cNvPr id="3" name="Notes Placeholder 2"/>
+          <p:cNvSpPr>
+            <a:spLocks noGrp="1"/>
+          </p:cNvSpPr>
+          <p:nvPr>
+            <p:ph type="body" idx="1"/>
+          </p:nvPr>
+        </p:nvSpPr>
+        <p:spPr/>
+        <p:txBody>
+          <a:bodyPr/>
+          <a:lstStyle/>
+          <a:p>
+            <a:r>
+              <a:rPr lang="en-US" dirty="0"/>
+              <a:t>The goal of this project is to evaluate and study Nursing Homes across US. And Focus on one of the top ten states which has more Nursing Homes.</a:t>
+            </a:r>
+          </a:p>
+          <a:p>
+            <a:r>
+              <a:rPr lang="en-US" dirty="0"/>
+              <a:t>There are some Nursing Homes which are Best Rated, and Worst Rated. We also analyzed how those Nursing homes are rated and displayed top 10 states by number of Nursing Homes. </a:t>
+            </a:r>
+            <a:r>
+              <a:rPr lang="en-US" dirty="0" err="1"/>
+              <a:t>Furthermore,one</a:t>
+            </a:r>
+            <a:r>
+              <a:rPr lang="en-US" dirty="0"/>
+              <a:t> of the top states which is </a:t>
+            </a:r>
+            <a:r>
+              <a:rPr lang="en-US" dirty="0" err="1"/>
+              <a:t>Pennslyvania</a:t>
+            </a:r>
+            <a:r>
+              <a:rPr lang="en-US" dirty="0"/>
+              <a:t> which we chose to do detailed analysis.</a:t>
+            </a:r>
+          </a:p>
+          <a:p>
+            <a:r>
+              <a:rPr lang="en-US" sz="1200" b="0" i="0" kern="1200" dirty="0">
+                <a:solidFill>
+                  <a:schemeClr val="tx1"/>
+                </a:solidFill>
+                <a:effectLst/>
+                <a:latin typeface="+mn-lt"/>
+                <a:ea typeface="+mn-ea"/>
+                <a:cs typeface="+mn-cs"/>
+              </a:rPr>
+              <a:t>We used different data and most of the data from </a:t>
+            </a:r>
+            <a:r>
+              <a:rPr lang="en-US" sz="1200" b="0" i="0" u="none" strike="noStrike" kern="1200" dirty="0">
+                <a:solidFill>
+                  <a:schemeClr val="tx1"/>
+                </a:solidFill>
+                <a:effectLst/>
+                <a:latin typeface="+mn-lt"/>
+                <a:ea typeface="+mn-ea"/>
+                <a:cs typeface="+mn-cs"/>
+                <a:hlinkClick r:id="rId3"/>
+              </a:rPr>
+              <a:t>Medicare.gov</a:t>
+            </a:r>
+            <a:r>
+              <a:rPr lang="en-US" sz="1200" b="0" i="0" kern="1200" dirty="0">
+                <a:solidFill>
+                  <a:schemeClr val="tx1"/>
+                </a:solidFill>
+                <a:effectLst/>
+                <a:latin typeface="+mn-lt"/>
+                <a:ea typeface="+mn-ea"/>
+                <a:cs typeface="+mn-cs"/>
+              </a:rPr>
+              <a:t> website. We cleaned them, narrowed them and merged them with other Data. For example, we got ratings from one data, and we obtained  nursing homes only in PA and merged them with Covid-19 Deaths data to see how many residents died due to Covid-19 in best and worst rated Nursing Homes</a:t>
+            </a:r>
+          </a:p>
+          <a:p>
+            <a:endParaRPr lang="en-US" sz="1200" b="0" i="0" kern="1200" dirty="0">
+              <a:solidFill>
+                <a:schemeClr val="tx1"/>
+              </a:solidFill>
+              <a:effectLst/>
+              <a:latin typeface="+mn-lt"/>
+              <a:ea typeface="+mn-ea"/>
+              <a:cs typeface="+mn-cs"/>
+            </a:endParaRPr>
+          </a:p>
+          <a:p>
+            <a:r>
+              <a:rPr lang="en-US" sz="1200" b="0" i="0" kern="1200" dirty="0">
+                <a:solidFill>
+                  <a:schemeClr val="tx1"/>
+                </a:solidFill>
+                <a:effectLst/>
+                <a:latin typeface="+mn-lt"/>
+                <a:ea typeface="+mn-ea"/>
+                <a:cs typeface="+mn-cs"/>
+              </a:rPr>
+              <a:t>The reason why we chose </a:t>
+            </a:r>
+            <a:r>
+              <a:rPr lang="en-US" sz="1200" b="0" i="0" kern="1200" dirty="0" err="1">
+                <a:solidFill>
+                  <a:schemeClr val="tx1"/>
+                </a:solidFill>
+                <a:effectLst/>
+                <a:latin typeface="+mn-lt"/>
+                <a:ea typeface="+mn-ea"/>
+                <a:cs typeface="+mn-cs"/>
+              </a:rPr>
+              <a:t>Pennyslyvania</a:t>
+            </a:r>
+            <a:r>
+              <a:rPr lang="en-US" sz="1200" b="0" i="0" kern="1200" dirty="0">
+                <a:solidFill>
+                  <a:schemeClr val="tx1"/>
+                </a:solidFill>
+                <a:effectLst/>
+                <a:latin typeface="+mn-lt"/>
+                <a:ea typeface="+mn-ea"/>
+                <a:cs typeface="+mn-cs"/>
+              </a:rPr>
+              <a:t> is 1) One of the top ten States across US which has more Nursing Homes</a:t>
+            </a:r>
+          </a:p>
+          <a:p>
+            <a:r>
+              <a:rPr lang="en-US" sz="1200" b="0" i="0" kern="1200" dirty="0">
+                <a:solidFill>
+                  <a:schemeClr val="tx1"/>
+                </a:solidFill>
+                <a:effectLst/>
+                <a:latin typeface="+mn-lt"/>
+                <a:ea typeface="+mn-ea"/>
+                <a:cs typeface="+mn-cs"/>
+              </a:rPr>
+              <a:t>2) Reached better and reasonable data related to Nursing Homes Rates and Covid-19 Deaths </a:t>
+            </a:r>
+          </a:p>
+          <a:p>
+            <a:r>
+              <a:rPr lang="en-US" sz="1200" b="0" i="0" kern="1200" dirty="0">
+                <a:solidFill>
+                  <a:schemeClr val="tx1"/>
+                </a:solidFill>
+                <a:effectLst/>
+                <a:latin typeface="+mn-lt"/>
+                <a:ea typeface="+mn-ea"/>
+                <a:cs typeface="+mn-cs"/>
+              </a:rPr>
+              <a:t>3) The state which is closest one among other top ten states.</a:t>
+            </a:r>
+          </a:p>
+        </p:txBody>
+      </p:sp>
+      <p:sp>
+        <p:nvSpPr>
+          <p:cNvPr id="4" name="Slide Number Placeholder 3"/>
+          <p:cNvSpPr>
+            <a:spLocks noGrp="1"/>
+          </p:cNvSpPr>
+          <p:nvPr>
+            <p:ph type="sldNum" sz="quarter" idx="5"/>
+          </p:nvPr>
+        </p:nvSpPr>
+        <p:spPr/>
+        <p:txBody>
+          <a:bodyPr/>
+          <a:lstStyle/>
+          <a:p>
+            <a:fld id="{238C0C6D-FC71-4C0A-BFFA-553B67D22509}" type="slidenum">
+              <a:rPr lang="en-US" smtClean="0"/>
+              <a:t>2</a:t>
+            </a:fld>
+            <a:endParaRPr lang="en-US"/>
+          </a:p>
+        </p:txBody>
+      </p:sp>
+    </p:spTree>
+    <p:extLst>
+      <p:ext uri="{BB962C8B-B14F-4D97-AF65-F5344CB8AC3E}">
+        <p14:creationId xmlns:p14="http://schemas.microsoft.com/office/powerpoint/2010/main" val="346157509"/>
+      </p:ext>
+    </p:extLst>
+  </p:cSld>
+  <p:clrMapOvr>
+    <a:masterClrMapping/>
+  </p:clrMapOvr>
+</p:notes>
+</file>
+
+<file path=ppt/notesSlides/notesSlide3.xml><?xml version="1.0" encoding="utf-8"?>
+<p:notes xmlns:a="http://schemas.openxmlformats.org/drawingml/2006/main" xmlns:r="http://schemas.openxmlformats.org/officeDocument/2006/relationships" xmlns:p="http://schemas.openxmlformats.org/presentationml/2006/main">
+  <p:cSld>
+    <p:spTree>
+      <p:nvGrpSpPr>
+        <p:cNvPr id="1" name=""/>
+        <p:cNvGrpSpPr/>
+        <p:nvPr/>
+      </p:nvGrpSpPr>
+      <p:grpSpPr>
+        <a:xfrm>
+          <a:off x="0" y="0"/>
+          <a:ext cx="0" cy="0"/>
+          <a:chOff x="0" y="0"/>
+          <a:chExt cx="0" cy="0"/>
+        </a:xfrm>
+      </p:grpSpPr>
+      <p:sp>
+        <p:nvSpPr>
+          <p:cNvPr id="2" name="Slide Image Placeholder 1"/>
+          <p:cNvSpPr>
+            <a:spLocks noGrp="1" noRot="1" noChangeAspect="1"/>
+          </p:cNvSpPr>
+          <p:nvPr>
+            <p:ph type="sldImg"/>
+          </p:nvPr>
+        </p:nvSpPr>
+        <p:spPr/>
+      </p:sp>
+      <p:sp>
+        <p:nvSpPr>
+          <p:cNvPr id="3" name="Notes Placeholder 2"/>
+          <p:cNvSpPr>
+            <a:spLocks noGrp="1"/>
+          </p:cNvSpPr>
+          <p:nvPr>
+            <p:ph type="body" idx="1"/>
+          </p:nvPr>
+        </p:nvSpPr>
+        <p:spPr/>
+        <p:txBody>
+          <a:bodyPr/>
+          <a:lstStyle/>
+          <a:p>
+            <a:r>
+              <a:rPr lang="en-US" dirty="0"/>
+              <a:t>After deciding the worst and best rated Nursing Homes based on age of Residents, Gender of Residents, Staff and Long and Short stay, We focused on the number of deaths and the number of Covid-19 deaths across US and </a:t>
+            </a:r>
+            <a:r>
+              <a:rPr lang="en-US" dirty="0" err="1"/>
+              <a:t>Pennyslvania</a:t>
+            </a:r>
+            <a:r>
+              <a:rPr lang="en-US" dirty="0"/>
+              <a:t> the period between January 1 and July 16 ,2020.</a:t>
+            </a:r>
+          </a:p>
+        </p:txBody>
+      </p:sp>
+      <p:sp>
+        <p:nvSpPr>
+          <p:cNvPr id="4" name="Slide Number Placeholder 3"/>
+          <p:cNvSpPr>
+            <a:spLocks noGrp="1"/>
+          </p:cNvSpPr>
+          <p:nvPr>
+            <p:ph type="sldNum" sz="quarter" idx="5"/>
+          </p:nvPr>
+        </p:nvSpPr>
+        <p:spPr/>
+        <p:txBody>
+          <a:bodyPr/>
+          <a:lstStyle/>
+          <a:p>
+            <a:fld id="{238C0C6D-FC71-4C0A-BFFA-553B67D22509}" type="slidenum">
+              <a:rPr lang="en-US" smtClean="0"/>
+              <a:t>9</a:t>
+            </a:fld>
+            <a:endParaRPr lang="en-US"/>
+          </a:p>
+        </p:txBody>
+      </p:sp>
+    </p:spTree>
+    <p:extLst>
+      <p:ext uri="{BB962C8B-B14F-4D97-AF65-F5344CB8AC3E}">
+        <p14:creationId xmlns:p14="http://schemas.microsoft.com/office/powerpoint/2010/main" val="3238093538"/>
+      </p:ext>
+    </p:extLst>
+  </p:cSld>
+  <p:clrMapOvr>
+    <a:masterClrMapping/>
+  </p:clrMapOvr>
+</p:notes>
+</file>
+
+<file path=ppt/notesSlides/notesSlide4.xml><?xml version="1.0" encoding="utf-8"?>
+<p:notes xmlns:a="http://schemas.openxmlformats.org/drawingml/2006/main" xmlns:r="http://schemas.openxmlformats.org/officeDocument/2006/relationships" xmlns:p="http://schemas.openxmlformats.org/presentationml/2006/main">
+  <p:cSld>
+    <p:spTree>
+      <p:nvGrpSpPr>
+        <p:cNvPr id="1" name=""/>
+        <p:cNvGrpSpPr/>
+        <p:nvPr/>
+      </p:nvGrpSpPr>
+      <p:grpSpPr>
+        <a:xfrm>
+          <a:off x="0" y="0"/>
+          <a:ext cx="0" cy="0"/>
+          <a:chOff x="0" y="0"/>
+          <a:chExt cx="0" cy="0"/>
+        </a:xfrm>
+      </p:grpSpPr>
+      <p:sp>
+        <p:nvSpPr>
+          <p:cNvPr id="2" name="Slide Image Placeholder 1"/>
+          <p:cNvSpPr>
+            <a:spLocks noGrp="1" noRot="1" noChangeAspect="1"/>
+          </p:cNvSpPr>
+          <p:nvPr>
+            <p:ph type="sldImg"/>
+          </p:nvPr>
+        </p:nvSpPr>
+        <p:spPr/>
+      </p:sp>
+      <p:sp>
+        <p:nvSpPr>
+          <p:cNvPr id="3" name="Notes Placeholder 2"/>
+          <p:cNvSpPr>
+            <a:spLocks noGrp="1"/>
+          </p:cNvSpPr>
+          <p:nvPr>
+            <p:ph type="body" idx="1"/>
+          </p:nvPr>
+        </p:nvSpPr>
+        <p:spPr/>
+        <p:txBody>
+          <a:bodyPr/>
+          <a:lstStyle/>
+          <a:p>
+            <a:r>
+              <a:rPr lang="en-US" dirty="0"/>
+              <a:t>After displaying the number of Covid-19 deaths across Us, we devoted ourselves to the residents who died at Nursing Homes in each counties of </a:t>
+            </a:r>
+            <a:r>
+              <a:rPr lang="en-US" dirty="0" err="1"/>
+              <a:t>Pennslyvania</a:t>
+            </a:r>
+            <a:r>
+              <a:rPr lang="en-US" dirty="0"/>
+              <a:t>. There are 2 tables over here which are divided by ratings. We grouped them as a Best Rated and Worst rated Nursing Homes in each counties of </a:t>
+            </a:r>
+            <a:r>
+              <a:rPr lang="en-US" dirty="0" err="1"/>
+              <a:t>Pennslyvania</a:t>
+            </a:r>
+            <a:r>
+              <a:rPr lang="en-US" dirty="0"/>
+              <a:t>. On the left chart, you will see the number of Deaths at Best rated Nursing Homes located in each counties . On the right chart, you will see the number of Deaths at Worst rated Nursing Homes in each counties. In the next slide you will displayed their </a:t>
+            </a:r>
+            <a:r>
+              <a:rPr lang="en-US" dirty="0" err="1"/>
+              <a:t>laocations</a:t>
+            </a:r>
+            <a:r>
+              <a:rPr lang="en-US" dirty="0"/>
+              <a:t> by using </a:t>
+            </a:r>
+            <a:r>
+              <a:rPr lang="en-US" dirty="0" err="1"/>
+              <a:t>Gmaps</a:t>
+            </a:r>
+            <a:r>
+              <a:rPr lang="en-US" dirty="0"/>
+              <a:t>. </a:t>
+            </a:r>
+          </a:p>
+        </p:txBody>
+      </p:sp>
+      <p:sp>
+        <p:nvSpPr>
+          <p:cNvPr id="4" name="Slide Number Placeholder 3"/>
+          <p:cNvSpPr>
+            <a:spLocks noGrp="1"/>
+          </p:cNvSpPr>
+          <p:nvPr>
+            <p:ph type="sldNum" sz="quarter" idx="5"/>
+          </p:nvPr>
+        </p:nvSpPr>
+        <p:spPr/>
+        <p:txBody>
+          <a:bodyPr/>
+          <a:lstStyle/>
+          <a:p>
+            <a:fld id="{238C0C6D-FC71-4C0A-BFFA-553B67D22509}" type="slidenum">
+              <a:rPr lang="en-US" smtClean="0"/>
+              <a:t>10</a:t>
+            </a:fld>
+            <a:endParaRPr lang="en-US"/>
+          </a:p>
+        </p:txBody>
+      </p:sp>
+    </p:spTree>
+    <p:extLst>
+      <p:ext uri="{BB962C8B-B14F-4D97-AF65-F5344CB8AC3E}">
+        <p14:creationId xmlns:p14="http://schemas.microsoft.com/office/powerpoint/2010/main" val="1302324884"/>
       </p:ext>
     </p:extLst>
   </p:cSld>
@@ -752,7 +1231,7 @@
           <a:p>
             <a:fld id="{437A928A-C659-423C-BB07-CE46C19146FA}" type="datetimeFigureOut">
               <a:rPr lang="en-US" smtClean="0"/>
-              <a:t>7/26/2020</a:t>
+              <a:t>7/29/20</a:t>
             </a:fld>
             <a:endParaRPr lang="en-US"/>
           </a:p>
@@ -950,7 +1429,7 @@
           <a:p>
             <a:fld id="{437A928A-C659-423C-BB07-CE46C19146FA}" type="datetimeFigureOut">
               <a:rPr lang="en-US" smtClean="0"/>
-              <a:t>7/26/2020</a:t>
+              <a:t>7/29/20</a:t>
             </a:fld>
             <a:endParaRPr lang="en-US"/>
           </a:p>
@@ -1158,7 +1637,7 @@
           <a:p>
             <a:fld id="{437A928A-C659-423C-BB07-CE46C19146FA}" type="datetimeFigureOut">
               <a:rPr lang="en-US" smtClean="0"/>
-              <a:t>7/26/2020</a:t>
+              <a:t>7/29/20</a:t>
             </a:fld>
             <a:endParaRPr lang="en-US"/>
           </a:p>
@@ -1976,7 +2455,7 @@
           <a:p>
             <a:fld id="{48A87A34-81AB-432B-8DAE-1953F412C126}" type="datetimeFigureOut">
               <a:rPr lang="en-US" smtClean="0"/>
-              <a:t>7/26/2020</a:t>
+              <a:t>7/29/20</a:t>
             </a:fld>
             <a:endParaRPr lang="en-US" dirty="0"/>
           </a:p>
@@ -2380,7 +2859,7 @@
           <a:p>
             <a:fld id="{48A87A34-81AB-432B-8DAE-1953F412C126}" type="datetimeFigureOut">
               <a:rPr lang="en-US" smtClean="0"/>
-              <a:t>7/26/2020</a:t>
+              <a:t>7/29/20</a:t>
             </a:fld>
             <a:endParaRPr lang="en-US" dirty="0"/>
           </a:p>
@@ -2636,7 +3115,7 @@
           <a:p>
             <a:fld id="{48A87A34-81AB-432B-8DAE-1953F412C126}" type="datetimeFigureOut">
               <a:rPr lang="en-US" smtClean="0"/>
-              <a:t>7/26/2020</a:t>
+              <a:t>7/29/20</a:t>
             </a:fld>
             <a:endParaRPr lang="en-US" dirty="0"/>
           </a:p>
@@ -2927,7 +3406,7 @@
           <a:p>
             <a:fld id="{48A87A34-81AB-432B-8DAE-1953F412C126}" type="datetimeFigureOut">
               <a:rPr lang="en-US" smtClean="0"/>
-              <a:t>7/26/2020</a:t>
+              <a:t>7/29/20</a:t>
             </a:fld>
             <a:endParaRPr lang="en-US" dirty="0"/>
           </a:p>
@@ -3310,7 +3789,7 @@
           <a:p>
             <a:fld id="{48A87A34-81AB-432B-8DAE-1953F412C126}" type="datetimeFigureOut">
               <a:rPr lang="en-US" smtClean="0"/>
-              <a:t>7/26/2020</a:t>
+              <a:t>7/29/20</a:t>
             </a:fld>
             <a:endParaRPr lang="en-US" dirty="0"/>
           </a:p>
@@ -3442,7 +3921,7 @@
           <a:p>
             <a:fld id="{48A87A34-81AB-432B-8DAE-1953F412C126}" type="datetimeFigureOut">
               <a:rPr lang="en-US" smtClean="0"/>
-              <a:t>7/26/2020</a:t>
+              <a:t>7/29/20</a:t>
             </a:fld>
             <a:endParaRPr lang="en-US" dirty="0"/>
           </a:p>
@@ -3546,7 +4025,7 @@
           <a:p>
             <a:fld id="{48A87A34-81AB-432B-8DAE-1953F412C126}" type="datetimeFigureOut">
               <a:rPr lang="en-US" smtClean="0"/>
-              <a:t>7/26/2020</a:t>
+              <a:t>7/29/20</a:t>
             </a:fld>
             <a:endParaRPr lang="en-US" dirty="0"/>
           </a:p>
@@ -3810,7 +4289,7 @@
           <a:p>
             <a:fld id="{48A87A34-81AB-432B-8DAE-1953F412C126}" type="datetimeFigureOut">
               <a:rPr lang="en-US" smtClean="0"/>
-              <a:t>7/26/2020</a:t>
+              <a:t>7/29/20</a:t>
             </a:fld>
             <a:endParaRPr lang="en-US" dirty="0"/>
           </a:p>
@@ -4005,7 +4484,7 @@
           <a:p>
             <a:fld id="{437A928A-C659-423C-BB07-CE46C19146FA}" type="datetimeFigureOut">
               <a:rPr lang="en-US" smtClean="0"/>
-              <a:t>7/26/2020</a:t>
+              <a:t>7/29/20</a:t>
             </a:fld>
             <a:endParaRPr lang="en-US"/>
           </a:p>
@@ -4332,7 +4811,7 @@
             <a:fld id="{48A87A34-81AB-432B-8DAE-1953F412C126}" type="datetimeFigureOut">
               <a:rPr lang="en-US" smtClean="0"/>
               <a:pPr/>
-              <a:t>7/26/2020</a:t>
+              <a:t>7/29/20</a:t>
             </a:fld>
             <a:endParaRPr lang="en-US" dirty="0"/>
           </a:p>
@@ -4542,7 +5021,7 @@
             <a:fld id="{48A87A34-81AB-432B-8DAE-1953F412C126}" type="datetimeFigureOut">
               <a:rPr lang="en-US" smtClean="0"/>
               <a:pPr/>
-              <a:t>7/26/2020</a:t>
+              <a:t>7/29/20</a:t>
             </a:fld>
             <a:endParaRPr lang="en-US" dirty="0"/>
           </a:p>
@@ -4867,7 +5346,7 @@
             <a:fld id="{48A87A34-81AB-432B-8DAE-1953F412C126}" type="datetimeFigureOut">
               <a:rPr lang="en-US" smtClean="0"/>
               <a:pPr/>
-              <a:t>7/26/2020</a:t>
+              <a:t>7/29/20</a:t>
             </a:fld>
             <a:endParaRPr lang="en-US" dirty="0"/>
           </a:p>
@@ -5211,7 +5690,7 @@
             <a:fld id="{48A87A34-81AB-432B-8DAE-1953F412C126}" type="datetimeFigureOut">
               <a:rPr lang="en-US" smtClean="0"/>
               <a:pPr/>
-              <a:t>7/26/2020</a:t>
+              <a:t>7/29/20</a:t>
             </a:fld>
             <a:endParaRPr lang="en-US" dirty="0"/>
           </a:p>
@@ -5536,7 +6015,7 @@
             <a:fld id="{48A87A34-81AB-432B-8DAE-1953F412C126}" type="datetimeFigureOut">
               <a:rPr lang="en-US" smtClean="0"/>
               <a:pPr/>
-              <a:t>7/26/2020</a:t>
+              <a:t>7/29/20</a:t>
             </a:fld>
             <a:endParaRPr lang="en-US" dirty="0"/>
           </a:p>
@@ -5940,7 +6419,7 @@
             <a:fld id="{48A87A34-81AB-432B-8DAE-1953F412C126}" type="datetimeFigureOut">
               <a:rPr lang="en-US" smtClean="0"/>
               <a:pPr/>
-              <a:t>7/26/2020</a:t>
+              <a:t>7/29/20</a:t>
             </a:fld>
             <a:endParaRPr lang="en-US" dirty="0"/>
           </a:p>
@@ -6120,7 +6599,7 @@
           <a:p>
             <a:fld id="{48A87A34-81AB-432B-8DAE-1953F412C126}" type="datetimeFigureOut">
               <a:rPr lang="en-US" smtClean="0"/>
-              <a:t>7/26/2020</a:t>
+              <a:t>7/29/20</a:t>
             </a:fld>
             <a:endParaRPr lang="en-US" dirty="0"/>
           </a:p>
@@ -6310,7 +6789,7 @@
           <a:p>
             <a:fld id="{48A87A34-81AB-432B-8DAE-1953F412C126}" type="datetimeFigureOut">
               <a:rPr lang="en-US" smtClean="0"/>
-              <a:t>7/26/2020</a:t>
+              <a:t>7/29/20</a:t>
             </a:fld>
             <a:endParaRPr lang="en-US" dirty="0"/>
           </a:p>
@@ -7446,7 +7925,7 @@
           <a:p>
             <a:fld id="{437A928A-C659-423C-BB07-CE46C19146FA}" type="datetimeFigureOut">
               <a:rPr lang="en-US" smtClean="0"/>
-              <a:t>7/26/2020</a:t>
+              <a:t>7/29/20</a:t>
             </a:fld>
             <a:endParaRPr lang="en-US"/>
           </a:p>
@@ -15479,7 +15958,7 @@
           <a:p>
             <a:fld id="{437A928A-C659-423C-BB07-CE46C19146FA}" type="datetimeFigureOut">
               <a:rPr lang="en-US" smtClean="0"/>
-              <a:t>7/26/2020</a:t>
+              <a:t>7/29/20</a:t>
             </a:fld>
             <a:endParaRPr lang="en-US"/>
           </a:p>
@@ -23016,7 +23495,7 @@
           <a:p>
             <a:fld id="{437A928A-C659-423C-BB07-CE46C19146FA}" type="datetimeFigureOut">
               <a:rPr lang="en-US" smtClean="0"/>
-              <a:t>7/26/2020</a:t>
+              <a:t>7/29/20</a:t>
             </a:fld>
             <a:endParaRPr lang="en-US"/>
           </a:p>
@@ -24197,7 +24676,7 @@
           <a:p>
             <a:fld id="{437A928A-C659-423C-BB07-CE46C19146FA}" type="datetimeFigureOut">
               <a:rPr lang="en-US" smtClean="0"/>
-              <a:t>7/26/2020</a:t>
+              <a:t>7/29/20</a:t>
             </a:fld>
             <a:endParaRPr lang="en-US"/>
           </a:p>
@@ -24310,7 +24789,7 @@
           <a:p>
             <a:fld id="{437A928A-C659-423C-BB07-CE46C19146FA}" type="datetimeFigureOut">
               <a:rPr lang="en-US" smtClean="0"/>
-              <a:t>7/26/2020</a:t>
+              <a:t>7/29/20</a:t>
             </a:fld>
             <a:endParaRPr lang="en-US"/>
           </a:p>
@@ -24621,7 +25100,7 @@
           <a:p>
             <a:fld id="{437A928A-C659-423C-BB07-CE46C19146FA}" type="datetimeFigureOut">
               <a:rPr lang="en-US" smtClean="0"/>
-              <a:t>7/26/2020</a:t>
+              <a:t>7/29/20</a:t>
             </a:fld>
             <a:endParaRPr lang="en-US"/>
           </a:p>
@@ -24909,7 +25388,7 @@
           <a:p>
             <a:fld id="{437A928A-C659-423C-BB07-CE46C19146FA}" type="datetimeFigureOut">
               <a:rPr lang="en-US" smtClean="0"/>
-              <a:t>7/26/2020</a:t>
+              <a:t>7/29/20</a:t>
             </a:fld>
             <a:endParaRPr lang="en-US"/>
           </a:p>
@@ -25151,7 +25630,7 @@
             <a:fld id="{48A87A34-81AB-432B-8DAE-1953F412C126}" type="datetimeFigureOut">
               <a:rPr lang="en-US" smtClean="0"/>
               <a:pPr/>
-              <a:t>7/26/2020</a:t>
+              <a:t>7/29/20</a:t>
             </a:fld>
             <a:endParaRPr lang="en-US" dirty="0"/>
           </a:p>
@@ -26245,7 +26724,7 @@
             <a:fld id="{48A87A34-81AB-432B-8DAE-1953F412C126}" type="datetimeFigureOut">
               <a:rPr lang="en-US" smtClean="0"/>
               <a:pPr/>
-              <a:t>7/26/2020</a:t>
+              <a:t>7/29/20</a:t>
             </a:fld>
             <a:endParaRPr lang="en-US" dirty="0"/>
           </a:p>
@@ -28022,7 +28501,7 @@
           <p:nvPr/>
         </p:nvPicPr>
         <p:blipFill>
-          <a:blip r:embed="rId2"/>
+          <a:blip r:embed="rId3"/>
           <a:stretch>
             <a:fillRect/>
           </a:stretch>
@@ -28052,7 +28531,7 @@
           <p:nvPr/>
         </p:nvPicPr>
         <p:blipFill>
-          <a:blip r:embed="rId3">
+          <a:blip r:embed="rId4">
             <a:extLst>
               <a:ext uri="{28A0092B-C50C-407E-A947-70E740481C1C}">
                 <a14:useLocalDpi xmlns:a14="http://schemas.microsoft.com/office/drawing/2010/main" val="0"/>
@@ -28437,8 +28916,8 @@
           </a:p>
         </p:txBody>
       </p:sp>
-      <mc:AlternateContent xmlns:mc="http://schemas.openxmlformats.org/markup-compatibility/2006">
-        <mc:Choice xmlns:p14="http://schemas.microsoft.com/office/powerpoint/2010/main" xmlns:aink="http://schemas.microsoft.com/office/drawing/2016/ink" Requires="p14 aink">
+      <mc:AlternateContent xmlns:mc="http://schemas.openxmlformats.org/markup-compatibility/2006" xmlns:p14="http://schemas.microsoft.com/office/powerpoint/2010/main" xmlns:aink="http://schemas.microsoft.com/office/drawing/2016/ink">
+        <mc:Choice Requires="p14 aink">
           <p:contentPart p14:bwMode="auto" r:id="rId3">
             <p14:nvContentPartPr>
               <p14:cNvPr id="29" name="Ink 28">
@@ -28457,7 +28936,7 @@
             </p14:xfrm>
           </p:contentPart>
         </mc:Choice>
-        <mc:Fallback>
+        <mc:Fallback xmlns="">
           <p:pic>
             <p:nvPicPr>
               <p:cNvPr id="29" name="Ink 28">
@@ -29539,7 +30018,7 @@
             </a:pPr>
             <a:r>
               <a:rPr lang="en-US" dirty="0"/>
-              <a:t>COVID-19 deaths in Nursing Homes across US</a:t>
+              <a:t>Display top 10 states by number of Nursing home.</a:t>
             </a:r>
           </a:p>
           <a:p>
@@ -29549,7 +30028,7 @@
             </a:pPr>
             <a:r>
               <a:rPr lang="en-US" dirty="0"/>
-              <a:t>Display top 10 states by number of Nursing home.</a:t>
+              <a:t>Chose Pennsylvania to do detailed analysis.</a:t>
             </a:r>
           </a:p>
           <a:p>
@@ -29559,7 +30038,7 @@
             </a:pPr>
             <a:r>
               <a:rPr lang="en-US" dirty="0"/>
-              <a:t>Chose Pennsylvania to do detailed analysis.</a:t>
+              <a:t>COVID-19 deaths in Nursing Homes across US</a:t>
             </a:r>
           </a:p>
           <a:p>
@@ -29577,35 +30056,6 @@
           </a:p>
           <a:p>
             <a:endParaRPr lang="en-US" dirty="0"/>
-          </a:p>
-          <a:p>
-            <a:r>
-              <a:rPr lang="en-US" sz="1400" dirty="0">
-                <a:solidFill>
-                  <a:srgbClr val="00B0F0"/>
-                </a:solidFill>
-                <a:hlinkClick r:id="rId2">
-                  <a:extLst>
-                    <a:ext uri="{A12FA001-AC4F-418D-AE19-62706E023703}">
-                      <ahyp:hlinkClr xmlns:ahyp="http://schemas.microsoft.com/office/drawing/2018/hyperlinkcolor" val="tx"/>
-                    </a:ext>
-                  </a:extLst>
-                </a:hlinkClick>
-              </a:rPr>
-              <a:t>https://data.medicare.gov/data/nursing-home-compare?sort=alpha&amp;tag=star%20ratings</a:t>
-            </a:r>
-            <a:endParaRPr lang="en-US" sz="1400" dirty="0">
-              <a:solidFill>
-                <a:srgbClr val="00B0F0"/>
-              </a:solidFill>
-            </a:endParaRPr>
-          </a:p>
-          <a:p>
-            <a:endParaRPr lang="en-US" sz="1600" dirty="0">
-              <a:solidFill>
-                <a:srgbClr val="00B0F0"/>
-              </a:solidFill>
-            </a:endParaRPr>
           </a:p>
           <a:p>
             <a:r>
@@ -29621,7 +30071,7 @@
                   </a:extLst>
                 </a:hlinkClick>
               </a:rPr>
-              <a:t>https://www.health.pa.gov/topics/HealthStatistics/HealthFacilities/NursingHomeReports/Pages/nursing-home-reports.aspx</a:t>
+              <a:t>https://data.medicare.gov/data/nursing-home-compare?sort=alpha&amp;tag=star%20ratings</a:t>
             </a:r>
             <a:endParaRPr lang="en-US" sz="1400" dirty="0">
               <a:solidFill>
@@ -29630,7 +30080,7 @@
             </a:endParaRPr>
           </a:p>
           <a:p>
-            <a:endParaRPr lang="en-US" sz="1400" dirty="0">
+            <a:endParaRPr lang="en-US" sz="1600" dirty="0">
               <a:solidFill>
                 <a:srgbClr val="00B0F0"/>
               </a:solidFill>
@@ -29650,7 +30100,7 @@
                   </a:extLst>
                 </a:hlinkClick>
               </a:rPr>
-              <a:t>https://data.cms.gov/Special-Programs-Initiatives-COVID-19-Nursing-Home/COVID-19-Nursing-Home-Dataset/s2uc-8wxp/data</a:t>
+              <a:t>https://www.health.pa.gov/topics/HealthStatistics/HealthFacilities/NursingHomeReports/Pages/nursing-home-reports.aspx</a:t>
             </a:r>
             <a:endParaRPr lang="en-US" sz="1400" dirty="0">
               <a:solidFill>
@@ -29669,9 +30119,7 @@
             <a:r>
               <a:rPr lang="en-US" sz="1400" dirty="0">
                 <a:solidFill>
-                  <a:schemeClr val="accent1">
-                    <a:lumMod val="75000"/>
-                  </a:schemeClr>
+                  <a:srgbClr val="00B0F0"/>
                 </a:solidFill>
                 <a:hlinkClick r:id="rId5">
                   <a:extLst>
@@ -29681,6 +30129,37 @@
                   </a:extLst>
                 </a:hlinkClick>
               </a:rPr>
+              <a:t>https://data.cms.gov/Special-Programs-Initiatives-COVID-19-Nursing-Home/COVID-19-Nursing-Home-Dataset/s2uc-8wxp/data</a:t>
+            </a:r>
+            <a:endParaRPr lang="en-US" sz="1400" dirty="0">
+              <a:solidFill>
+                <a:srgbClr val="00B0F0"/>
+              </a:solidFill>
+            </a:endParaRPr>
+          </a:p>
+          <a:p>
+            <a:endParaRPr lang="en-US" sz="1400" dirty="0">
+              <a:solidFill>
+                <a:srgbClr val="00B0F0"/>
+              </a:solidFill>
+            </a:endParaRPr>
+          </a:p>
+          <a:p>
+            <a:r>
+              <a:rPr lang="en-US" sz="1400" dirty="0">
+                <a:solidFill>
+                  <a:schemeClr val="accent1">
+                    <a:lumMod val="75000"/>
+                  </a:schemeClr>
+                </a:solidFill>
+                <a:hlinkClick r:id="rId6">
+                  <a:extLst>
+                    <a:ext uri="{A12FA001-AC4F-418D-AE19-62706E023703}">
+                      <ahyp:hlinkClr xmlns:ahyp="http://schemas.microsoft.com/office/drawing/2018/hyperlinkcolor" val="tx"/>
+                    </a:ext>
+                  </a:extLst>
+                </a:hlinkClick>
+              </a:rPr>
               <a:t>https://www.prb.org/which-us-states-are-the-oldest/</a:t>
             </a:r>
             <a:endParaRPr lang="en-US" sz="1400" dirty="0">
@@ -29758,7 +30237,7 @@
           <p:nvPr/>
         </p:nvPicPr>
         <p:blipFill>
-          <a:blip r:embed="rId6" cstate="screen">
+          <a:blip r:embed="rId7" cstate="screen">
             <a:extLst>
               <a:ext uri="{28A0092B-C50C-407E-A947-70E740481C1C}">
                 <a14:useLocalDpi xmlns:a14="http://schemas.microsoft.com/office/drawing/2010/main"/>
@@ -31282,7 +31761,7 @@
           </p:nvPr>
         </p:nvPicPr>
         <p:blipFill>
-          <a:blip r:embed="rId2">
+          <a:blip r:embed="rId3">
             <a:extLst>
               <a:ext uri="{28A0092B-C50C-407E-A947-70E740481C1C}">
                 <a14:useLocalDpi xmlns:a14="http://schemas.microsoft.com/office/drawing/2010/main" val="0"/>
@@ -31295,7 +31774,7 @@
         </p:blipFill>
         <p:spPr>
           <a:xfrm>
-            <a:off x="166255" y="178087"/>
+            <a:off x="42685" y="388155"/>
             <a:ext cx="5541818" cy="4089111"/>
           </a:xfrm>
         </p:spPr>
@@ -31344,7 +31823,7 @@
           <p:nvPr/>
         </p:nvPicPr>
         <p:blipFill>
-          <a:blip r:embed="rId3">
+          <a:blip r:embed="rId4">
             <a:extLst>
               <a:ext uri="{28A0092B-C50C-407E-A947-70E740481C1C}">
                 <a14:useLocalDpi xmlns:a14="http://schemas.microsoft.com/office/drawing/2010/main" val="0"/>
@@ -31365,44 +31844,6 @@
           </a:prstGeom>
         </p:spPr>
       </p:pic>
-      <p:sp>
-        <p:nvSpPr>
-          <p:cNvPr id="9" name="TextBox 8">
-            <a:extLst>
-              <a:ext uri="{FF2B5EF4-FFF2-40B4-BE49-F238E27FC236}">
-                <a16:creationId xmlns:a16="http://schemas.microsoft.com/office/drawing/2014/main" id="{FE2DDB3D-3E6B-47AE-AFC9-F84F0F9C5D8B}"/>
-              </a:ext>
-            </a:extLst>
-          </p:cNvPr>
-          <p:cNvSpPr txBox="1"/>
-          <p:nvPr/>
-        </p:nvSpPr>
-        <p:spPr>
-          <a:xfrm>
-            <a:off x="2393374" y="-540326"/>
-            <a:ext cx="6386945" cy="400110"/>
-          </a:xfrm>
-          <a:prstGeom prst="rect">
-            <a:avLst/>
-          </a:prstGeom>
-          <a:noFill/>
-        </p:spPr>
-        <p:txBody>
-          <a:bodyPr wrap="square" rtlCol="0">
-            <a:spAutoFit/>
-          </a:bodyPr>
-          <a:lstStyle/>
-          <a:p>
-            <a:pPr algn="ctr"/>
-            <a:r>
-              <a:rPr lang="en-US" sz="2000" u="sng" dirty="0">
-                <a:latin typeface="Trebuchet MS" panose="020B0603020202020204" pitchFamily="34" charset="0"/>
-              </a:rPr>
-              <a:t>Top ten states with most and least COVID19 deaths</a:t>
-            </a:r>
-          </a:p>
-        </p:txBody>
-      </p:sp>
       <p:pic>
         <p:nvPicPr>
           <p:cNvPr id="11" name="Picture Placeholder 27" descr="Arm and blood pressure machine reading scale">
@@ -31418,7 +31859,7 @@
           <p:nvPr/>
         </p:nvPicPr>
         <p:blipFill rotWithShape="1">
-          <a:blip r:embed="rId4" cstate="screen">
+          <a:blip r:embed="rId5" cstate="screen">
             <a:extLst>
               <a:ext uri="{28A0092B-C50C-407E-A947-70E740481C1C}">
                 <a14:useLocalDpi xmlns:a14="http://schemas.microsoft.com/office/drawing/2010/main"/>
@@ -31438,6 +31879,43 @@
           </a:prstGeom>
         </p:spPr>
       </p:pic>
+      <p:sp>
+        <p:nvSpPr>
+          <p:cNvPr id="2" name="Rectangle 1">
+            <a:extLst>
+              <a:ext uri="{FF2B5EF4-FFF2-40B4-BE49-F238E27FC236}">
+                <a16:creationId xmlns:a16="http://schemas.microsoft.com/office/drawing/2014/main" id="{AF86350B-6287-0940-88C0-F6AA2762B394}"/>
+              </a:ext>
+            </a:extLst>
+          </p:cNvPr>
+          <p:cNvSpPr/>
+          <p:nvPr/>
+        </p:nvSpPr>
+        <p:spPr>
+          <a:xfrm>
+            <a:off x="2745615" y="18823"/>
+            <a:ext cx="5453864" cy="369332"/>
+          </a:xfrm>
+          <a:prstGeom prst="rect">
+            <a:avLst/>
+          </a:prstGeom>
+        </p:spPr>
+        <p:txBody>
+          <a:bodyPr wrap="none">
+            <a:spAutoFit/>
+          </a:bodyPr>
+          <a:lstStyle/>
+          <a:p>
+            <a:pPr algn="ctr"/>
+            <a:r>
+              <a:rPr lang="en-US" u="sng" dirty="0">
+                <a:latin typeface="Trebuchet MS" panose="020B0603020202020204" pitchFamily="34" charset="0"/>
+              </a:rPr>
+              <a:t>Top ten states with most and least COVID19 deaths</a:t>
+            </a:r>
+          </a:p>
+        </p:txBody>
+      </p:sp>
     </p:spTree>
     <p:extLst>
       <p:ext uri="{BB962C8B-B14F-4D97-AF65-F5344CB8AC3E}">
